--- a/BasicEnvironment/Building a Reinforcement Learning Environment.pptx
+++ b/BasicEnvironment/Building a Reinforcement Learning Environment.pptx
@@ -111,6 +111,11 @@
       </a:defRPr>
     </a:lvl9pPr>
   </p:defaultTextStyle>
+  <p:extLst>
+    <p:ext uri="{EFAFB233-063F-42B5-8137-9DF3F51BA10A}">
+      <p15:sldGuideLst xmlns:p15="http://schemas.microsoft.com/office/powerpoint/2012/main"/>
+    </p:ext>
+  </p:extLst>
 </p:presentation>
 </file>
 
@@ -269,7 +274,7 @@
           <a:p>
             <a:fld id="{E213DC7F-AC6F-473B-85AD-F984035E7B04}" type="datetimeFigureOut">
               <a:rPr lang="en-US" smtClean="0"/>
-              <a:t>7/21/2022</a:t>
+              <a:t>8/2/2022</a:t>
             </a:fld>
             <a:endParaRPr lang="en-US"/>
           </a:p>
@@ -467,7 +472,7 @@
           <a:p>
             <a:fld id="{E213DC7F-AC6F-473B-85AD-F984035E7B04}" type="datetimeFigureOut">
               <a:rPr lang="en-US" smtClean="0"/>
-              <a:t>7/21/2022</a:t>
+              <a:t>8/2/2022</a:t>
             </a:fld>
             <a:endParaRPr lang="en-US"/>
           </a:p>
@@ -675,7 +680,7 @@
           <a:p>
             <a:fld id="{E213DC7F-AC6F-473B-85AD-F984035E7B04}" type="datetimeFigureOut">
               <a:rPr lang="en-US" smtClean="0"/>
-              <a:t>7/21/2022</a:t>
+              <a:t>8/2/2022</a:t>
             </a:fld>
             <a:endParaRPr lang="en-US"/>
           </a:p>
@@ -873,7 +878,7 @@
           <a:p>
             <a:fld id="{E213DC7F-AC6F-473B-85AD-F984035E7B04}" type="datetimeFigureOut">
               <a:rPr lang="en-US" smtClean="0"/>
-              <a:t>7/21/2022</a:t>
+              <a:t>8/2/2022</a:t>
             </a:fld>
             <a:endParaRPr lang="en-US"/>
           </a:p>
@@ -1148,7 +1153,7 @@
           <a:p>
             <a:fld id="{E213DC7F-AC6F-473B-85AD-F984035E7B04}" type="datetimeFigureOut">
               <a:rPr lang="en-US" smtClean="0"/>
-              <a:t>7/21/2022</a:t>
+              <a:t>8/2/2022</a:t>
             </a:fld>
             <a:endParaRPr lang="en-US"/>
           </a:p>
@@ -1413,7 +1418,7 @@
           <a:p>
             <a:fld id="{E213DC7F-AC6F-473B-85AD-F984035E7B04}" type="datetimeFigureOut">
               <a:rPr lang="en-US" smtClean="0"/>
-              <a:t>7/21/2022</a:t>
+              <a:t>8/2/2022</a:t>
             </a:fld>
             <a:endParaRPr lang="en-US"/>
           </a:p>
@@ -1825,7 +1830,7 @@
           <a:p>
             <a:fld id="{E213DC7F-AC6F-473B-85AD-F984035E7B04}" type="datetimeFigureOut">
               <a:rPr lang="en-US" smtClean="0"/>
-              <a:t>7/21/2022</a:t>
+              <a:t>8/2/2022</a:t>
             </a:fld>
             <a:endParaRPr lang="en-US"/>
           </a:p>
@@ -1966,7 +1971,7 @@
           <a:p>
             <a:fld id="{E213DC7F-AC6F-473B-85AD-F984035E7B04}" type="datetimeFigureOut">
               <a:rPr lang="en-US" smtClean="0"/>
-              <a:t>7/21/2022</a:t>
+              <a:t>8/2/2022</a:t>
             </a:fld>
             <a:endParaRPr lang="en-US"/>
           </a:p>
@@ -2079,7 +2084,7 @@
           <a:p>
             <a:fld id="{E213DC7F-AC6F-473B-85AD-F984035E7B04}" type="datetimeFigureOut">
               <a:rPr lang="en-US" smtClean="0"/>
-              <a:t>7/21/2022</a:t>
+              <a:t>8/2/2022</a:t>
             </a:fld>
             <a:endParaRPr lang="en-US"/>
           </a:p>
@@ -2390,7 +2395,7 @@
           <a:p>
             <a:fld id="{E213DC7F-AC6F-473B-85AD-F984035E7B04}" type="datetimeFigureOut">
               <a:rPr lang="en-US" smtClean="0"/>
-              <a:t>7/21/2022</a:t>
+              <a:t>8/2/2022</a:t>
             </a:fld>
             <a:endParaRPr lang="en-US"/>
           </a:p>
@@ -2678,7 +2683,7 @@
           <a:p>
             <a:fld id="{E213DC7F-AC6F-473B-85AD-F984035E7B04}" type="datetimeFigureOut">
               <a:rPr lang="en-US" smtClean="0"/>
-              <a:t>7/21/2022</a:t>
+              <a:t>8/2/2022</a:t>
             </a:fld>
             <a:endParaRPr lang="en-US"/>
           </a:p>
@@ -2919,7 +2924,7 @@
           <a:p>
             <a:fld id="{E213DC7F-AC6F-473B-85AD-F984035E7B04}" type="datetimeFigureOut">
               <a:rPr lang="en-US" smtClean="0"/>
-              <a:t>7/21/2022</a:t>
+              <a:t>8/2/2022</a:t>
             </a:fld>
             <a:endParaRPr lang="en-US"/>
           </a:p>
@@ -4258,7 +4263,7 @@
         </p:blipFill>
         <p:spPr>
           <a:xfrm>
-            <a:off x="3033841" y="1675227"/>
+            <a:off x="795343" y="1645539"/>
             <a:ext cx="6124318" cy="4394199"/>
           </a:xfrm>
           <a:prstGeom prst="rect">
@@ -4266,6 +4271,248 @@
           </a:prstGeom>
         </p:spPr>
       </p:pic>
+      <p:pic>
+        <p:nvPicPr>
+          <p:cNvPr id="5" name="Picture 4">
+            <a:extLst>
+              <a:ext uri="{FF2B5EF4-FFF2-40B4-BE49-F238E27FC236}">
+                <a16:creationId xmlns:a16="http://schemas.microsoft.com/office/drawing/2014/main" id="{D2050518-D68D-6A8F-4EAD-1579CEC57E4B}"/>
+              </a:ext>
+            </a:extLst>
+          </p:cNvPr>
+          <p:cNvPicPr>
+            <a:picLocks noChangeAspect="1"/>
+          </p:cNvPicPr>
+          <p:nvPr/>
+        </p:nvPicPr>
+        <p:blipFill>
+          <a:blip r:embed="rId3"/>
+          <a:stretch>
+            <a:fillRect/>
+          </a:stretch>
+        </p:blipFill>
+        <p:spPr>
+          <a:xfrm>
+            <a:off x="7907276" y="2836060"/>
+            <a:ext cx="1128101" cy="744836"/>
+          </a:xfrm>
+          <a:prstGeom prst="rect">
+            <a:avLst/>
+          </a:prstGeom>
+        </p:spPr>
+      </p:pic>
+      <p:sp>
+        <p:nvSpPr>
+          <p:cNvPr id="6" name="Equals 5">
+            <a:extLst>
+              <a:ext uri="{FF2B5EF4-FFF2-40B4-BE49-F238E27FC236}">
+                <a16:creationId xmlns:a16="http://schemas.microsoft.com/office/drawing/2014/main" id="{BD924076-5EF1-7566-73CD-5F0F961FBE7D}"/>
+              </a:ext>
+            </a:extLst>
+          </p:cNvPr>
+          <p:cNvSpPr/>
+          <p:nvPr/>
+        </p:nvSpPr>
+        <p:spPr>
+          <a:xfrm>
+            <a:off x="9296196" y="3009870"/>
+            <a:ext cx="537882" cy="356347"/>
+          </a:xfrm>
+          <a:prstGeom prst="mathEqual">
+            <a:avLst/>
+          </a:prstGeom>
+        </p:spPr>
+        <p:style>
+          <a:lnRef idx="2">
+            <a:schemeClr val="accent1">
+              <a:shade val="50000"/>
+            </a:schemeClr>
+          </a:lnRef>
+          <a:fillRef idx="1">
+            <a:schemeClr val="accent1"/>
+          </a:fillRef>
+          <a:effectRef idx="0">
+            <a:schemeClr val="accent1"/>
+          </a:effectRef>
+          <a:fontRef idx="minor">
+            <a:schemeClr val="lt1"/>
+          </a:fontRef>
+        </p:style>
+        <p:txBody>
+          <a:bodyPr rtlCol="0" anchor="ctr"/>
+          <a:lstStyle/>
+          <a:p>
+            <a:pPr algn="ctr"/>
+            <a:endParaRPr lang="en-US">
+              <a:solidFill>
+                <a:schemeClr val="tx1"/>
+              </a:solidFill>
+            </a:endParaRPr>
+          </a:p>
+        </p:txBody>
+      </p:sp>
+      <p:sp>
+        <p:nvSpPr>
+          <p:cNvPr id="7" name="TextBox 6">
+            <a:extLst>
+              <a:ext uri="{FF2B5EF4-FFF2-40B4-BE49-F238E27FC236}">
+                <a16:creationId xmlns:a16="http://schemas.microsoft.com/office/drawing/2014/main" id="{AA14CEB0-2AD9-8021-5105-2B45F8157880}"/>
+              </a:ext>
+            </a:extLst>
+          </p:cNvPr>
+          <p:cNvSpPr txBox="1"/>
+          <p:nvPr/>
+        </p:nvSpPr>
+        <p:spPr>
+          <a:xfrm>
+            <a:off x="9981210" y="2934565"/>
+            <a:ext cx="1344022" cy="646331"/>
+          </a:xfrm>
+          <a:prstGeom prst="rect">
+            <a:avLst/>
+          </a:prstGeom>
+          <a:noFill/>
+        </p:spPr>
+        <p:txBody>
+          <a:bodyPr wrap="none" rtlCol="0">
+            <a:spAutoFit/>
+          </a:bodyPr>
+          <a:lstStyle/>
+          <a:p>
+            <a:r>
+              <a:rPr lang="en-US" dirty="0"/>
+              <a:t>-1 point</a:t>
+            </a:r>
+          </a:p>
+          <a:p>
+            <a:r>
+              <a:rPr lang="en-US" dirty="0"/>
+              <a:t>GAME OVER</a:t>
+            </a:r>
+          </a:p>
+        </p:txBody>
+      </p:sp>
+      <p:pic>
+        <p:nvPicPr>
+          <p:cNvPr id="9" name="Picture 8">
+            <a:extLst>
+              <a:ext uri="{FF2B5EF4-FFF2-40B4-BE49-F238E27FC236}">
+                <a16:creationId xmlns:a16="http://schemas.microsoft.com/office/drawing/2014/main" id="{DE6912B0-EACA-4911-A5EE-DF5DE6A5C18C}"/>
+              </a:ext>
+            </a:extLst>
+          </p:cNvPr>
+          <p:cNvPicPr>
+            <a:picLocks noChangeAspect="1"/>
+          </p:cNvPicPr>
+          <p:nvPr/>
+        </p:nvPicPr>
+        <p:blipFill>
+          <a:blip r:embed="rId4"/>
+          <a:stretch>
+            <a:fillRect/>
+          </a:stretch>
+        </p:blipFill>
+        <p:spPr>
+          <a:xfrm>
+            <a:off x="7907276" y="4014940"/>
+            <a:ext cx="1128101" cy="894423"/>
+          </a:xfrm>
+          <a:prstGeom prst="rect">
+            <a:avLst/>
+          </a:prstGeom>
+        </p:spPr>
+      </p:pic>
+      <p:sp>
+        <p:nvSpPr>
+          <p:cNvPr id="11" name="Equals 10">
+            <a:extLst>
+              <a:ext uri="{FF2B5EF4-FFF2-40B4-BE49-F238E27FC236}">
+                <a16:creationId xmlns:a16="http://schemas.microsoft.com/office/drawing/2014/main" id="{9DDB38BB-0431-8987-9CFB-D027F0A001D2}"/>
+              </a:ext>
+            </a:extLst>
+          </p:cNvPr>
+          <p:cNvSpPr/>
+          <p:nvPr/>
+        </p:nvSpPr>
+        <p:spPr>
+          <a:xfrm>
+            <a:off x="9296196" y="4283977"/>
+            <a:ext cx="537882" cy="356347"/>
+          </a:xfrm>
+          <a:prstGeom prst="mathEqual">
+            <a:avLst/>
+          </a:prstGeom>
+        </p:spPr>
+        <p:style>
+          <a:lnRef idx="2">
+            <a:schemeClr val="accent1">
+              <a:shade val="50000"/>
+            </a:schemeClr>
+          </a:lnRef>
+          <a:fillRef idx="1">
+            <a:schemeClr val="accent1"/>
+          </a:fillRef>
+          <a:effectRef idx="0">
+            <a:schemeClr val="accent1"/>
+          </a:effectRef>
+          <a:fontRef idx="minor">
+            <a:schemeClr val="lt1"/>
+          </a:fontRef>
+        </p:style>
+        <p:txBody>
+          <a:bodyPr rtlCol="0" anchor="ctr"/>
+          <a:lstStyle/>
+          <a:p>
+            <a:pPr algn="ctr"/>
+            <a:endParaRPr lang="en-US">
+              <a:solidFill>
+                <a:schemeClr val="tx1"/>
+              </a:solidFill>
+            </a:endParaRPr>
+          </a:p>
+        </p:txBody>
+      </p:sp>
+      <p:sp>
+        <p:nvSpPr>
+          <p:cNvPr id="12" name="TextBox 11">
+            <a:extLst>
+              <a:ext uri="{FF2B5EF4-FFF2-40B4-BE49-F238E27FC236}">
+                <a16:creationId xmlns:a16="http://schemas.microsoft.com/office/drawing/2014/main" id="{F385D4FE-51E0-297C-4349-CA3E6F4B1169}"/>
+              </a:ext>
+            </a:extLst>
+          </p:cNvPr>
+          <p:cNvSpPr txBox="1"/>
+          <p:nvPr/>
+        </p:nvSpPr>
+        <p:spPr>
+          <a:xfrm>
+            <a:off x="9981210" y="4094006"/>
+            <a:ext cx="924164" cy="646331"/>
+          </a:xfrm>
+          <a:prstGeom prst="rect">
+            <a:avLst/>
+          </a:prstGeom>
+          <a:noFill/>
+        </p:spPr>
+        <p:txBody>
+          <a:bodyPr wrap="none" rtlCol="0">
+            <a:spAutoFit/>
+          </a:bodyPr>
+          <a:lstStyle/>
+          <a:p>
+            <a:r>
+              <a:rPr lang="en-US" dirty="0"/>
+              <a:t>1 point</a:t>
+            </a:r>
+          </a:p>
+          <a:p>
+            <a:r>
+              <a:rPr lang="en-US" dirty="0"/>
+              <a:t>Victory!</a:t>
+            </a:r>
+          </a:p>
+        </p:txBody>
+      </p:sp>
     </p:spTree>
     <p:extLst>
       <p:ext uri="{BB962C8B-B14F-4D97-AF65-F5344CB8AC3E}">
@@ -4668,8 +4915,8 @@
           </a:graphicData>
         </a:graphic>
       </p:graphicFrame>
-      <mc:AlternateContent xmlns:mc="http://schemas.openxmlformats.org/markup-compatibility/2006">
-        <mc:Choice xmlns:a14="http://schemas.microsoft.com/office/drawing/2010/main" Requires="a14">
+      <mc:AlternateContent xmlns:mc="http://schemas.openxmlformats.org/markup-compatibility/2006" xmlns:a14="http://schemas.microsoft.com/office/drawing/2010/main">
+        <mc:Choice Requires="a14">
           <p:sp>
             <p:nvSpPr>
               <p:cNvPr id="8" name="Oval 7">
@@ -4792,7 +5039,7 @@
             </p:txBody>
           </p:sp>
         </mc:Choice>
-        <mc:Fallback>
+        <mc:Fallback xmlns="">
           <p:sp>
             <p:nvSpPr>
               <p:cNvPr id="8" name="Oval 7">
@@ -4842,8 +5089,8 @@
           </p:sp>
         </mc:Fallback>
       </mc:AlternateContent>
-      <mc:AlternateContent xmlns:mc="http://schemas.openxmlformats.org/markup-compatibility/2006">
-        <mc:Choice xmlns:a14="http://schemas.microsoft.com/office/drawing/2010/main" Requires="a14">
+      <mc:AlternateContent xmlns:mc="http://schemas.openxmlformats.org/markup-compatibility/2006" xmlns:a14="http://schemas.microsoft.com/office/drawing/2010/main">
+        <mc:Choice Requires="a14">
           <p:sp>
             <p:nvSpPr>
               <p:cNvPr id="14" name="Oval 13">
@@ -4980,7 +5227,7 @@
             </p:txBody>
           </p:sp>
         </mc:Choice>
-        <mc:Fallback>
+        <mc:Fallback xmlns="">
           <p:sp>
             <p:nvSpPr>
               <p:cNvPr id="14" name="Oval 13">
@@ -5030,8 +5277,8 @@
           </p:sp>
         </mc:Fallback>
       </mc:AlternateContent>
-      <mc:AlternateContent xmlns:mc="http://schemas.openxmlformats.org/markup-compatibility/2006">
-        <mc:Choice xmlns:a14="http://schemas.microsoft.com/office/drawing/2010/main" Requires="a14">
+      <mc:AlternateContent xmlns:mc="http://schemas.openxmlformats.org/markup-compatibility/2006" xmlns:a14="http://schemas.microsoft.com/office/drawing/2010/main">
+        <mc:Choice Requires="a14">
           <p:sp>
             <p:nvSpPr>
               <p:cNvPr id="16" name="Oval 15">
@@ -5168,7 +5415,7 @@
             </p:txBody>
           </p:sp>
         </mc:Choice>
-        <mc:Fallback>
+        <mc:Fallback xmlns="">
           <p:sp>
             <p:nvSpPr>
               <p:cNvPr id="16" name="Oval 15">
@@ -5218,8 +5465,8 @@
           </p:sp>
         </mc:Fallback>
       </mc:AlternateContent>
-      <mc:AlternateContent xmlns:mc="http://schemas.openxmlformats.org/markup-compatibility/2006">
-        <mc:Choice xmlns:a14="http://schemas.microsoft.com/office/drawing/2010/main" Requires="a14">
+      <mc:AlternateContent xmlns:mc="http://schemas.openxmlformats.org/markup-compatibility/2006" xmlns:a14="http://schemas.microsoft.com/office/drawing/2010/main">
+        <mc:Choice Requires="a14">
           <p:sp>
             <p:nvSpPr>
               <p:cNvPr id="17" name="Oval 16">
@@ -5356,7 +5603,7 @@
             </p:txBody>
           </p:sp>
         </mc:Choice>
-        <mc:Fallback>
+        <mc:Fallback xmlns="">
           <p:sp>
             <p:nvSpPr>
               <p:cNvPr id="17" name="Oval 16">
@@ -5406,8 +5653,8 @@
           </p:sp>
         </mc:Fallback>
       </mc:AlternateContent>
-      <mc:AlternateContent xmlns:mc="http://schemas.openxmlformats.org/markup-compatibility/2006">
-        <mc:Choice xmlns:a14="http://schemas.microsoft.com/office/drawing/2010/main" Requires="a14">
+      <mc:AlternateContent xmlns:mc="http://schemas.openxmlformats.org/markup-compatibility/2006" xmlns:a14="http://schemas.microsoft.com/office/drawing/2010/main">
+        <mc:Choice Requires="a14">
           <p:sp>
             <p:nvSpPr>
               <p:cNvPr id="18" name="Oval 17">
@@ -5544,7 +5791,7 @@
             </p:txBody>
           </p:sp>
         </mc:Choice>
-        <mc:Fallback>
+        <mc:Fallback xmlns="">
           <p:sp>
             <p:nvSpPr>
               <p:cNvPr id="18" name="Oval 17">
@@ -5906,8 +6153,8 @@
           </a:p>
         </p:txBody>
       </p:sp>
-      <mc:AlternateContent xmlns:mc="http://schemas.openxmlformats.org/markup-compatibility/2006">
-        <mc:Choice xmlns:a14="http://schemas.microsoft.com/office/drawing/2010/main" Requires="a14">
+      <mc:AlternateContent xmlns:mc="http://schemas.openxmlformats.org/markup-compatibility/2006" xmlns:a14="http://schemas.microsoft.com/office/drawing/2010/main">
+        <mc:Choice Requires="a14">
           <p:sp>
             <p:nvSpPr>
               <p:cNvPr id="38" name="Oval 37">
@@ -6044,7 +6291,7 @@
             </p:txBody>
           </p:sp>
         </mc:Choice>
-        <mc:Fallback>
+        <mc:Fallback xmlns="">
           <p:sp>
             <p:nvSpPr>
               <p:cNvPr id="38" name="Oval 37">
@@ -6094,8 +6341,8 @@
           </p:sp>
         </mc:Fallback>
       </mc:AlternateContent>
-      <mc:AlternateContent xmlns:mc="http://schemas.openxmlformats.org/markup-compatibility/2006">
-        <mc:Choice xmlns:a14="http://schemas.microsoft.com/office/drawing/2010/main" Requires="a14">
+      <mc:AlternateContent xmlns:mc="http://schemas.openxmlformats.org/markup-compatibility/2006" xmlns:a14="http://schemas.microsoft.com/office/drawing/2010/main">
+        <mc:Choice Requires="a14">
           <p:sp>
             <p:nvSpPr>
               <p:cNvPr id="39" name="Oval 38">
@@ -6232,7 +6479,7 @@
             </p:txBody>
           </p:sp>
         </mc:Choice>
-        <mc:Fallback>
+        <mc:Fallback xmlns="">
           <p:sp>
             <p:nvSpPr>
               <p:cNvPr id="39" name="Oval 38">
@@ -6282,8 +6529,8 @@
           </p:sp>
         </mc:Fallback>
       </mc:AlternateContent>
-      <mc:AlternateContent xmlns:mc="http://schemas.openxmlformats.org/markup-compatibility/2006">
-        <mc:Choice xmlns:a14="http://schemas.microsoft.com/office/drawing/2010/main" Requires="a14">
+      <mc:AlternateContent xmlns:mc="http://schemas.openxmlformats.org/markup-compatibility/2006" xmlns:a14="http://schemas.microsoft.com/office/drawing/2010/main">
+        <mc:Choice Requires="a14">
           <p:sp>
             <p:nvSpPr>
               <p:cNvPr id="40" name="Oval 39">
@@ -6420,7 +6667,7 @@
             </p:txBody>
           </p:sp>
         </mc:Choice>
-        <mc:Fallback>
+        <mc:Fallback xmlns="">
           <p:sp>
             <p:nvSpPr>
               <p:cNvPr id="40" name="Oval 39">
@@ -6470,8 +6717,8 @@
           </p:sp>
         </mc:Fallback>
       </mc:AlternateContent>
-      <mc:AlternateContent xmlns:mc="http://schemas.openxmlformats.org/markup-compatibility/2006">
-        <mc:Choice xmlns:a14="http://schemas.microsoft.com/office/drawing/2010/main" Requires="a14">
+      <mc:AlternateContent xmlns:mc="http://schemas.openxmlformats.org/markup-compatibility/2006" xmlns:a14="http://schemas.microsoft.com/office/drawing/2010/main">
+        <mc:Choice Requires="a14">
           <p:sp>
             <p:nvSpPr>
               <p:cNvPr id="41" name="Oval 40">
@@ -6608,7 +6855,7 @@
             </p:txBody>
           </p:sp>
         </mc:Choice>
-        <mc:Fallback>
+        <mc:Fallback xmlns="">
           <p:sp>
             <p:nvSpPr>
               <p:cNvPr id="41" name="Oval 40">
@@ -8204,6 +8451,15 @@
 </file>
 
 <file path=customXml/item1.xml><?xml version="1.0" encoding="utf-8"?>
+<?mso-contentType ?>
+<FormTemplates xmlns="http://schemas.microsoft.com/sharepoint/v3/contenttype/forms">
+  <Display>DocumentLibraryForm</Display>
+  <Edit>DocumentLibraryForm</Edit>
+  <New>DocumentLibraryForm</New>
+</FormTemplates>
+</file>
+
+<file path=customXml/item2.xml><?xml version="1.0" encoding="utf-8"?>
 <ct:contentTypeSchema xmlns:ct="http://schemas.microsoft.com/office/2006/metadata/contentType" xmlns:ma="http://schemas.microsoft.com/office/2006/metadata/properties/metaAttributes" ct:_="" ma:_="" ma:contentTypeName="Document" ma:contentTypeID="0x010100659DA20E359FE04BADC430390171298B" ma:contentTypeVersion="7" ma:contentTypeDescription="Create a new document." ma:contentTypeScope="" ma:versionID="0ff8da5d78cbec696141c7ca0299e2d6">
   <xsd:schema xmlns:xsd="http://www.w3.org/2001/XMLSchema" xmlns:xs="http://www.w3.org/2001/XMLSchema" xmlns:p="http://schemas.microsoft.com/office/2006/metadata/properties" xmlns:ns3="3eb155f7-a0d4-4880-8afe-f94e2bed5317" xmlns:ns4="73ec7c3b-8fe3-4688-9646-cbe76d290af4" targetNamespace="http://schemas.microsoft.com/office/2006/metadata/properties" ma:root="true" ma:fieldsID="7f11b11fbfaf9ece31f96348baaa9cb8" ns3:_="" ns4:_="">
     <xsd:import namespace="3eb155f7-a0d4-4880-8afe-f94e2bed5317"/>
@@ -8388,15 +8644,6 @@
 </ct:contentTypeSchema>
 </file>
 
-<file path=customXml/item2.xml><?xml version="1.0" encoding="utf-8"?>
-<?mso-contentType ?>
-<FormTemplates xmlns="http://schemas.microsoft.com/sharepoint/v3/contenttype/forms">
-  <Display>DocumentLibraryForm</Display>
-  <Edit>DocumentLibraryForm</Edit>
-  <New>DocumentLibraryForm</New>
-</FormTemplates>
-</file>
-
 <file path=customXml/item3.xml><?xml version="1.0" encoding="utf-8"?>
 <p:properties xmlns:p="http://schemas.microsoft.com/office/2006/metadata/properties" xmlns:xsi="http://www.w3.org/2001/XMLSchema-instance" xmlns:pc="http://schemas.microsoft.com/office/infopath/2007/PartnerControls">
   <documentManagement/>
@@ -8404,6 +8651,14 @@
 </file>
 
 <file path=customXml/itemProps1.xml><?xml version="1.0" encoding="utf-8"?>
+<ds:datastoreItem xmlns:ds="http://schemas.openxmlformats.org/officeDocument/2006/customXml" ds:itemID="{0F5609AF-2CCC-42D3-A189-829E359D6B67}">
+  <ds:schemaRefs>
+    <ds:schemaRef ds:uri="http://schemas.microsoft.com/sharepoint/v3/contenttype/forms"/>
+  </ds:schemaRefs>
+</ds:datastoreItem>
+</file>
+
+<file path=customXml/itemProps2.xml><?xml version="1.0" encoding="utf-8"?>
 <ds:datastoreItem xmlns:ds="http://schemas.openxmlformats.org/officeDocument/2006/customXml" ds:itemID="{17B2B5A8-0668-4F89-B613-8E7D07EC2F74}">
   <ds:schemaRefs>
     <ds:schemaRef ds:uri="http://schemas.microsoft.com/office/2006/metadata/contentType"/>
@@ -8418,14 +8673,6 @@
     <ds:schemaRef ds:uri="http://purl.org/dc/elements/1.1/"/>
     <ds:schemaRef ds:uri="http://purl.org/dc/terms/"/>
     <ds:schemaRef ds:uri="http://schemas.microsoft.com/internal/obd"/>
-  </ds:schemaRefs>
-</ds:datastoreItem>
-</file>
-
-<file path=customXml/itemProps2.xml><?xml version="1.0" encoding="utf-8"?>
-<ds:datastoreItem xmlns:ds="http://schemas.openxmlformats.org/officeDocument/2006/customXml" ds:itemID="{0F5609AF-2CCC-42D3-A189-829E359D6B67}">
-  <ds:schemaRefs>
-    <ds:schemaRef ds:uri="http://schemas.microsoft.com/sharepoint/v3/contenttype/forms"/>
   </ds:schemaRefs>
 </ds:datastoreItem>
 </file>
